--- a/开题答辩/12黄丽华（导师吴珍珍）.pptx
+++ b/开题答辩/12黄丽华（导师吴珍珍）.pptx
@@ -5,7 +5,7 @@
     <p:sldMasterId id="2147483708" r:id="rId1"/>
   </p:sldMasterIdLst>
   <p:notesMasterIdLst>
-    <p:notesMasterId r:id="rId14"/>
+    <p:notesMasterId r:id="rId13"/>
   </p:notesMasterIdLst>
   <p:sldIdLst>
     <p:sldId id="256" r:id="rId2"/>
@@ -16,10 +16,9 @@
     <p:sldId id="269" r:id="rId7"/>
     <p:sldId id="257" r:id="rId8"/>
     <p:sldId id="262" r:id="rId9"/>
-    <p:sldId id="258" r:id="rId10"/>
-    <p:sldId id="260" r:id="rId11"/>
-    <p:sldId id="266" r:id="rId12"/>
-    <p:sldId id="261" r:id="rId13"/>
+    <p:sldId id="260" r:id="rId10"/>
+    <p:sldId id="266" r:id="rId11"/>
+    <p:sldId id="261" r:id="rId12"/>
   </p:sldIdLst>
   <p:sldSz cx="9144000" cy="6858000" type="screen4x3"/>
   <p:notesSz cx="6858000" cy="9144000"/>
@@ -203,7 +202,7 @@
           <a:p>
             <a:fld id="{6FB3271B-4A73-4C47-B9AA-944F8C010D50}" type="datetimeFigureOut">
               <a:rPr lang="zh-CN" altLang="en-US" smtClean="0"/>
-              <a:t>2018/12/24</a:t>
+              <a:t>2019/2/17</a:t>
             </a:fld>
             <a:endParaRPr lang="zh-CN" altLang="en-US"/>
           </a:p>
@@ -1076,90 +1075,6 @@
 </p:notes>
 </file>
 
-<file path=ppt/notesSlides/notesSlide4.xml><?xml version="1.0" encoding="utf-8"?>
-<p:notes xmlns:a="http://schemas.openxmlformats.org/drawingml/2006/main" xmlns:r="http://schemas.openxmlformats.org/officeDocument/2006/relationships" xmlns:p="http://schemas.openxmlformats.org/presentationml/2006/main">
-  <p:cSld>
-    <p:spTree>
-      <p:nvGrpSpPr>
-        <p:cNvPr id="1" name=""/>
-        <p:cNvGrpSpPr/>
-        <p:nvPr/>
-      </p:nvGrpSpPr>
-      <p:grpSpPr>
-        <a:xfrm>
-          <a:off x="0" y="0"/>
-          <a:ext cx="0" cy="0"/>
-          <a:chOff x="0" y="0"/>
-          <a:chExt cx="0" cy="0"/>
-        </a:xfrm>
-      </p:grpSpPr>
-      <p:sp>
-        <p:nvSpPr>
-          <p:cNvPr id="2" name="幻灯片图像占位符 1"/>
-          <p:cNvSpPr>
-            <a:spLocks noGrp="1" noRot="1" noChangeAspect="1"/>
-          </p:cNvSpPr>
-          <p:nvPr>
-            <p:ph type="sldImg"/>
-          </p:nvPr>
-        </p:nvSpPr>
-        <p:spPr/>
-      </p:sp>
-      <p:sp>
-        <p:nvSpPr>
-          <p:cNvPr id="3" name="备注占位符 2"/>
-          <p:cNvSpPr>
-            <a:spLocks noGrp="1"/>
-          </p:cNvSpPr>
-          <p:nvPr>
-            <p:ph type="body" idx="1"/>
-          </p:nvPr>
-        </p:nvSpPr>
-        <p:spPr/>
-        <p:txBody>
-          <a:bodyPr/>
-          <a:lstStyle/>
-          <a:p>
-            <a:endParaRPr lang="zh-CN" altLang="en-US" dirty="0"/>
-          </a:p>
-        </p:txBody>
-      </p:sp>
-      <p:sp>
-        <p:nvSpPr>
-          <p:cNvPr id="4" name="灯片编号占位符 3"/>
-          <p:cNvSpPr>
-            <a:spLocks noGrp="1"/>
-          </p:cNvSpPr>
-          <p:nvPr>
-            <p:ph type="sldNum" sz="quarter" idx="10"/>
-          </p:nvPr>
-        </p:nvSpPr>
-        <p:spPr/>
-        <p:txBody>
-          <a:bodyPr/>
-          <a:lstStyle/>
-          <a:p>
-            <a:fld id="{048B6287-F487-4B28-9B9C-C5B8DC4B784D}" type="slidenum">
-              <a:rPr lang="zh-CN" altLang="en-US" smtClean="0"/>
-              <a:t>9</a:t>
-            </a:fld>
-            <a:endParaRPr lang="zh-CN" altLang="en-US"/>
-          </a:p>
-        </p:txBody>
-      </p:sp>
-    </p:spTree>
-    <p:extLst>
-      <p:ext uri="{BB962C8B-B14F-4D97-AF65-F5344CB8AC3E}">
-        <p14:creationId xmlns:p14="http://schemas.microsoft.com/office/powerpoint/2010/main" val="3557748008"/>
-      </p:ext>
-    </p:extLst>
-  </p:cSld>
-  <p:clrMapOvr>
-    <a:masterClrMapping/>
-  </p:clrMapOvr>
-</p:notes>
-</file>
-
 <file path=ppt/slideLayouts/slideLayout1.xml><?xml version="1.0" encoding="utf-8"?>
 <p:sldLayout xmlns:a="http://schemas.openxmlformats.org/drawingml/2006/main" xmlns:r="http://schemas.openxmlformats.org/officeDocument/2006/relationships" xmlns:p="http://schemas.openxmlformats.org/presentationml/2006/main" type="title" preserve="1">
   <p:cSld name="标题幻灯片">
@@ -1405,7 +1320,7 @@
           <a:p>
             <a:fld id="{530820CF-B880-4189-942D-D702A7CBA730}" type="datetimeFigureOut">
               <a:rPr lang="zh-CN" altLang="en-US" smtClean="0"/>
-              <a:t>2018/12/24</a:t>
+              <a:t>2019/2/17</a:t>
             </a:fld>
             <a:endParaRPr lang="zh-CN" altLang="en-US"/>
           </a:p>
@@ -1570,7 +1485,7 @@
           <a:p>
             <a:fld id="{530820CF-B880-4189-942D-D702A7CBA730}" type="datetimeFigureOut">
               <a:rPr lang="zh-CN" altLang="en-US" smtClean="0"/>
-              <a:t>2018/12/24</a:t>
+              <a:t>2019/2/17</a:t>
             </a:fld>
             <a:endParaRPr lang="zh-CN" altLang="en-US"/>
           </a:p>
@@ -1809,7 +1724,7 @@
           <a:p>
             <a:fld id="{530820CF-B880-4189-942D-D702A7CBA730}" type="datetimeFigureOut">
               <a:rPr lang="zh-CN" altLang="en-US" smtClean="0"/>
-              <a:t>2018/12/24</a:t>
+              <a:t>2019/2/17</a:t>
             </a:fld>
             <a:endParaRPr lang="zh-CN" altLang="en-US"/>
           </a:p>
@@ -2043,7 +1958,7 @@
           <a:p>
             <a:fld id="{530820CF-B880-4189-942D-D702A7CBA730}" type="datetimeFigureOut">
               <a:rPr lang="zh-CN" altLang="en-US" smtClean="0"/>
-              <a:t>2018/12/24</a:t>
+              <a:t>2019/2/17</a:t>
             </a:fld>
             <a:endParaRPr lang="zh-CN" altLang="en-US"/>
           </a:p>
@@ -2382,7 +2297,7 @@
           <a:p>
             <a:fld id="{530820CF-B880-4189-942D-D702A7CBA730}" type="datetimeFigureOut">
               <a:rPr lang="zh-CN" altLang="en-US" smtClean="0"/>
-              <a:t>2018/12/24</a:t>
+              <a:t>2019/2/17</a:t>
             </a:fld>
             <a:endParaRPr lang="zh-CN" altLang="en-US"/>
           </a:p>
@@ -2729,7 +2644,7 @@
           <a:p>
             <a:fld id="{530820CF-B880-4189-942D-D702A7CBA730}" type="datetimeFigureOut">
               <a:rPr lang="zh-CN" altLang="en-US" smtClean="0"/>
-              <a:t>2018/12/24</a:t>
+              <a:t>2019/2/17</a:t>
             </a:fld>
             <a:endParaRPr lang="zh-CN" altLang="en-US"/>
           </a:p>
@@ -3290,7 +3205,7 @@
           <a:p>
             <a:fld id="{530820CF-B880-4189-942D-D702A7CBA730}" type="datetimeFigureOut">
               <a:rPr lang="zh-CN" altLang="en-US" smtClean="0"/>
-              <a:t>2018/12/24</a:t>
+              <a:t>2019/2/17</a:t>
             </a:fld>
             <a:endParaRPr lang="zh-CN" altLang="en-US"/>
           </a:p>
@@ -3467,7 +3382,7 @@
           <a:p>
             <a:fld id="{530820CF-B880-4189-942D-D702A7CBA730}" type="datetimeFigureOut">
               <a:rPr lang="zh-CN" altLang="en-US" smtClean="0"/>
-              <a:t>2018/12/24</a:t>
+              <a:t>2019/2/17</a:t>
             </a:fld>
             <a:endParaRPr lang="zh-CN" altLang="en-US"/>
           </a:p>
@@ -3562,7 +3477,7 @@
           <a:p>
             <a:fld id="{530820CF-B880-4189-942D-D702A7CBA730}" type="datetimeFigureOut">
               <a:rPr lang="zh-CN" altLang="en-US" smtClean="0"/>
-              <a:t>2018/12/24</a:t>
+              <a:t>2019/2/17</a:t>
             </a:fld>
             <a:endParaRPr lang="zh-CN" altLang="en-US"/>
           </a:p>
@@ -3927,7 +3842,7 @@
           <a:p>
             <a:fld id="{530820CF-B880-4189-942D-D702A7CBA730}" type="datetimeFigureOut">
               <a:rPr lang="zh-CN" altLang="en-US" smtClean="0"/>
-              <a:t>2018/12/24</a:t>
+              <a:t>2019/2/17</a:t>
             </a:fld>
             <a:endParaRPr lang="zh-CN" altLang="en-US"/>
           </a:p>
@@ -4271,7 +4186,7 @@
           <a:p>
             <a:fld id="{530820CF-B880-4189-942D-D702A7CBA730}" type="datetimeFigureOut">
               <a:rPr lang="zh-CN" altLang="en-US" smtClean="0"/>
-              <a:t>2018/12/24</a:t>
+              <a:t>2019/2/17</a:t>
             </a:fld>
             <a:endParaRPr lang="zh-CN" altLang="en-US"/>
           </a:p>
@@ -4542,7 +4457,7 @@
           <a:p>
             <a:fld id="{530820CF-B880-4189-942D-D702A7CBA730}" type="datetimeFigureOut">
               <a:rPr lang="zh-CN" altLang="en-US" smtClean="0"/>
-              <a:t>2018/12/24</a:t>
+              <a:t>2019/2/17</a:t>
             </a:fld>
             <a:endParaRPr lang="zh-CN" altLang="en-US"/>
           </a:p>
@@ -5384,367 +5299,6 @@
             <a:pPr algn="l"/>
             <a:r>
               <a:rPr lang="zh-CN" altLang="en-US" dirty="0" smtClean="0"/>
-              <a:t>主要参考文献</a:t>
-            </a:r>
-            <a:endParaRPr lang="zh-CN" altLang="en-US" sz="2400" dirty="0"/>
-          </a:p>
-        </p:txBody>
-      </p:sp>
-      <p:sp>
-        <p:nvSpPr>
-          <p:cNvPr id="8" name="内容占位符 2"/>
-          <p:cNvSpPr>
-            <a:spLocks noGrp="1"/>
-          </p:cNvSpPr>
-          <p:nvPr>
-            <p:ph idx="1"/>
-          </p:nvPr>
-        </p:nvSpPr>
-        <p:spPr>
-          <a:xfrm>
-            <a:off x="457200" y="1600200"/>
-            <a:ext cx="8229600" cy="4686320"/>
-          </a:xfrm>
-        </p:spPr>
-        <p:txBody>
-          <a:bodyPr>
-            <a:normAutofit fontScale="85000" lnSpcReduction="20000"/>
-          </a:bodyPr>
-          <a:lstStyle/>
-          <a:p>
-            <a:pPr marL="0" indent="0">
-              <a:buNone/>
-            </a:pPr>
-            <a:r>
-              <a:rPr lang="en-US" altLang="zh-CN" sz="2000" dirty="0" smtClean="0"/>
-              <a:t> </a:t>
-            </a:r>
-            <a:r>
-              <a:rPr lang="en-US" altLang="zh-CN" sz="2000" dirty="0"/>
-              <a:t>[1] Carroll W J, Grimes R C. Evolutionary Change in Product Management: Experiences in the Car Rental Industry[J]. Interfaces, 1995, 25(5):84-104.</a:t>
-            </a:r>
-          </a:p>
-          <a:p>
-            <a:pPr marL="0" indent="0">
-              <a:buNone/>
-            </a:pPr>
-            <a:r>
-              <a:rPr lang="en-US" altLang="zh-CN" sz="2000" dirty="0"/>
-              <a:t>[2]Luo J N, Yang M H, Yang M C. An Anonymous Car Rental System Based on NFC[C] International Symposium on Biometrics &amp; Security Technologies. 2013.</a:t>
-            </a:r>
-          </a:p>
-          <a:p>
-            <a:pPr marL="0" indent="0">
-              <a:buNone/>
-            </a:pPr>
-            <a:r>
-              <a:rPr lang="en-US" altLang="zh-CN" sz="2000" dirty="0"/>
-              <a:t>[3]George D K , Xia C H . Fleet-sizing and service availability for a vehicle rental system via closed queueing networks[J]. European Journal of Operational Research, 2011, 211(1):198-207.</a:t>
-            </a:r>
-          </a:p>
-          <a:p>
-            <a:pPr marL="0" indent="0">
-              <a:buNone/>
-            </a:pPr>
-            <a:r>
-              <a:rPr lang="en-US" altLang="zh-CN" sz="2000" dirty="0"/>
-              <a:t>[4] You P S , Hsieh Y C . A study on the vehicle size and transfer policy for car rental problems[J]. Transportation Research Part E: Logistics and Transportation Review, 2014, 64:110-121.</a:t>
-            </a:r>
-          </a:p>
-          <a:p>
-            <a:pPr marL="0" indent="0">
-              <a:buNone/>
-            </a:pPr>
-            <a:r>
-              <a:rPr lang="en-US" altLang="zh-CN" sz="2000" dirty="0"/>
-              <a:t>[5]</a:t>
-            </a:r>
-            <a:r>
-              <a:rPr lang="zh-CN" altLang="en-US" sz="2000" dirty="0"/>
-              <a:t>甘秉武</a:t>
-            </a:r>
-            <a:r>
-              <a:rPr lang="en-US" altLang="zh-CN" sz="2000" dirty="0"/>
-              <a:t>.</a:t>
-            </a:r>
-            <a:r>
-              <a:rPr lang="zh-CN" altLang="en-US" sz="2000" dirty="0"/>
-              <a:t>搞活小企业的新路子</a:t>
-            </a:r>
-            <a:r>
-              <a:rPr lang="en-US" altLang="zh-CN" sz="2000" dirty="0"/>
-              <a:t>——</a:t>
-            </a:r>
-            <a:r>
-              <a:rPr lang="zh-CN" altLang="en-US" sz="2000" dirty="0"/>
-              <a:t>沈阳汽车工业公司五户国营小企业实行个人租赁经营情况调查</a:t>
-            </a:r>
-            <a:r>
-              <a:rPr lang="en-US" altLang="zh-CN" sz="2000" dirty="0"/>
-              <a:t>[J].</a:t>
-            </a:r>
-            <a:r>
-              <a:rPr lang="zh-CN" altLang="en-US" sz="2000" dirty="0"/>
-              <a:t>财政研究</a:t>
-            </a:r>
-            <a:r>
-              <a:rPr lang="en-US" altLang="zh-CN" sz="2000" dirty="0"/>
-              <a:t>,1985(06):65-67.</a:t>
-            </a:r>
-          </a:p>
-          <a:p>
-            <a:pPr marL="0" indent="0">
-              <a:buNone/>
-            </a:pPr>
-            <a:r>
-              <a:rPr lang="en-US" altLang="zh-CN" sz="2000" dirty="0"/>
-              <a:t>[6]</a:t>
-            </a:r>
-            <a:r>
-              <a:rPr lang="zh-CN" altLang="en-US" sz="2000" dirty="0"/>
-              <a:t>梁伟卓</a:t>
-            </a:r>
-            <a:r>
-              <a:rPr lang="en-US" altLang="zh-CN" sz="2000" dirty="0"/>
-              <a:t>, </a:t>
-            </a:r>
-            <a:r>
-              <a:rPr lang="zh-CN" altLang="en-US" sz="2000" dirty="0"/>
-              <a:t>鲍鸿</a:t>
-            </a:r>
-            <a:r>
-              <a:rPr lang="en-US" altLang="zh-CN" sz="2000" dirty="0"/>
-              <a:t>. </a:t>
-            </a:r>
-            <a:r>
-              <a:rPr lang="zh-CN" altLang="en-US" sz="2000" dirty="0"/>
-              <a:t>基于</a:t>
-            </a:r>
-            <a:r>
-              <a:rPr lang="en-US" altLang="zh-CN" sz="2000" dirty="0"/>
-              <a:t>B</a:t>
-            </a:r>
-            <a:r>
-              <a:rPr lang="zh-CN" altLang="en-US" sz="2000" dirty="0"/>
-              <a:t>／</a:t>
-            </a:r>
-            <a:r>
-              <a:rPr lang="en-US" altLang="zh-CN" sz="2000" dirty="0"/>
-              <a:t>S</a:t>
-            </a:r>
-            <a:r>
-              <a:rPr lang="zh-CN" altLang="en-US" sz="2000" dirty="0"/>
-              <a:t>结构的汽车租赁管理信息系统</a:t>
-            </a:r>
-            <a:r>
-              <a:rPr lang="en-US" altLang="zh-CN" sz="2000" dirty="0"/>
-              <a:t>[J]. </a:t>
-            </a:r>
-            <a:r>
-              <a:rPr lang="zh-CN" altLang="en-US" sz="2000" dirty="0"/>
-              <a:t>交通与运输</a:t>
-            </a:r>
-            <a:r>
-              <a:rPr lang="en-US" altLang="zh-CN" sz="2000" dirty="0"/>
-              <a:t>(</a:t>
-            </a:r>
-            <a:r>
-              <a:rPr lang="zh-CN" altLang="en-US" sz="2000" dirty="0"/>
-              <a:t>学术版</a:t>
-            </a:r>
-            <a:r>
-              <a:rPr lang="en-US" altLang="zh-CN" sz="2000" dirty="0"/>
-              <a:t>), 2006(1):35-38.</a:t>
-            </a:r>
-          </a:p>
-          <a:p>
-            <a:pPr marL="0" indent="0">
-              <a:buNone/>
-            </a:pPr>
-            <a:r>
-              <a:rPr lang="en-US" altLang="zh-CN" sz="2000" dirty="0"/>
-              <a:t>[7]</a:t>
-            </a:r>
-            <a:r>
-              <a:rPr lang="zh-CN" altLang="en-US" sz="2000" dirty="0"/>
-              <a:t>余俊杰</a:t>
-            </a:r>
-            <a:r>
-              <a:rPr lang="en-US" altLang="zh-CN" sz="2000" dirty="0"/>
-              <a:t>,</a:t>
-            </a:r>
-            <a:r>
-              <a:rPr lang="zh-CN" altLang="en-US" sz="2000" dirty="0"/>
-              <a:t>李华</a:t>
-            </a:r>
-            <a:r>
-              <a:rPr lang="en-US" altLang="zh-CN" sz="2000" dirty="0"/>
-              <a:t>.</a:t>
-            </a:r>
-            <a:r>
-              <a:rPr lang="zh-CN" altLang="en-US" sz="2000" dirty="0"/>
-              <a:t>汽车租赁管理系统的设计与实现</a:t>
-            </a:r>
-            <a:r>
-              <a:rPr lang="en-US" altLang="zh-CN" sz="2000" dirty="0"/>
-              <a:t>[J].</a:t>
-            </a:r>
-            <a:r>
-              <a:rPr lang="zh-CN" altLang="en-US" sz="2000" dirty="0"/>
-              <a:t>科技广场</a:t>
-            </a:r>
-            <a:r>
-              <a:rPr lang="en-US" altLang="zh-CN" sz="2000" dirty="0"/>
-              <a:t>,2012(09):76-78.</a:t>
-            </a:r>
-          </a:p>
-          <a:p>
-            <a:pPr marL="0" indent="0">
-              <a:buNone/>
-            </a:pPr>
-            <a:r>
-              <a:rPr lang="en-US" altLang="zh-CN" sz="2000" dirty="0"/>
-              <a:t>[8]</a:t>
-            </a:r>
-            <a:r>
-              <a:rPr lang="zh-CN" altLang="en-US" sz="2000" dirty="0"/>
-              <a:t>袁忠华</a:t>
-            </a:r>
-            <a:r>
-              <a:rPr lang="en-US" altLang="zh-CN" sz="2000" dirty="0"/>
-              <a:t>. </a:t>
-            </a:r>
-            <a:r>
-              <a:rPr lang="zh-CN" altLang="en-US" sz="2000" dirty="0"/>
-              <a:t>基于</a:t>
-            </a:r>
-            <a:r>
-              <a:rPr lang="en-US" altLang="zh-CN" sz="2000" dirty="0"/>
-              <a:t>Web</a:t>
-            </a:r>
-            <a:r>
-              <a:rPr lang="zh-CN" altLang="en-US" sz="2000" dirty="0"/>
-              <a:t>的汽车租赁管理信息系统的设计与实现</a:t>
-            </a:r>
-            <a:r>
-              <a:rPr lang="en-US" altLang="zh-CN" sz="2000" dirty="0"/>
-              <a:t>[D].</a:t>
-            </a:r>
-            <a:r>
-              <a:rPr lang="zh-CN" altLang="en-US" sz="2000" dirty="0"/>
-              <a:t>电子科技大学</a:t>
-            </a:r>
-            <a:r>
-              <a:rPr lang="en-US" altLang="zh-CN" sz="2000" dirty="0"/>
-              <a:t>,2013.</a:t>
-            </a:r>
-          </a:p>
-          <a:p>
-            <a:pPr marL="0" indent="0">
-              <a:buNone/>
-            </a:pPr>
-            <a:r>
-              <a:rPr lang="en-US" altLang="zh-CN" sz="2000" dirty="0"/>
-              <a:t>[9]</a:t>
-            </a:r>
-            <a:r>
-              <a:rPr lang="zh-CN" altLang="en-US" sz="2000" dirty="0"/>
-              <a:t>林开荣</a:t>
-            </a:r>
-            <a:r>
-              <a:rPr lang="en-US" altLang="zh-CN" sz="2000" dirty="0"/>
-              <a:t>.</a:t>
-            </a:r>
-            <a:r>
-              <a:rPr lang="zh-CN" altLang="en-US" sz="2000" dirty="0"/>
-              <a:t>汽车租赁企业经营分析及管理系统设计</a:t>
-            </a:r>
-            <a:r>
-              <a:rPr lang="en-US" altLang="zh-CN" sz="2000" dirty="0"/>
-              <a:t>[J].</a:t>
-            </a:r>
-            <a:r>
-              <a:rPr lang="zh-CN" altLang="en-US" sz="2000" dirty="0"/>
-              <a:t>山东轻工业学院学报</a:t>
-            </a:r>
-            <a:r>
-              <a:rPr lang="en-US" altLang="zh-CN" sz="2000" dirty="0"/>
-              <a:t>(</a:t>
-            </a:r>
-            <a:r>
-              <a:rPr lang="zh-CN" altLang="en-US" sz="2000" dirty="0"/>
-              <a:t>自然科学版</a:t>
-            </a:r>
-            <a:r>
-              <a:rPr lang="en-US" altLang="zh-CN" sz="2000" dirty="0"/>
-              <a:t>),2008(01):95-98.</a:t>
-            </a:r>
-          </a:p>
-          <a:p>
-            <a:pPr marL="0" indent="0">
-              <a:buNone/>
-            </a:pPr>
-            <a:endParaRPr lang="en-US" altLang="zh-CN" sz="2000" dirty="0"/>
-          </a:p>
-        </p:txBody>
-      </p:sp>
-    </p:spTree>
-    <p:extLst>
-      <p:ext uri="{BB962C8B-B14F-4D97-AF65-F5344CB8AC3E}">
-        <p14:creationId xmlns:p14="http://schemas.microsoft.com/office/powerpoint/2010/main" val="1181678100"/>
-      </p:ext>
-    </p:extLst>
-  </p:cSld>
-  <p:clrMapOvr>
-    <a:masterClrMapping/>
-  </p:clrMapOvr>
-  <p:timing>
-    <p:tnLst>
-      <p:par>
-        <p:cTn id="1" dur="indefinite" restart="never" nodeType="tmRoot"/>
-      </p:par>
-    </p:tnLst>
-  </p:timing>
-</p:sld>
-</file>
-
-<file path=ppt/slides/slide11.xml><?xml version="1.0" encoding="utf-8"?>
-<p:sld xmlns:a="http://schemas.openxmlformats.org/drawingml/2006/main" xmlns:r="http://schemas.openxmlformats.org/officeDocument/2006/relationships" xmlns:p="http://schemas.openxmlformats.org/presentationml/2006/main">
-  <p:cSld>
-    <p:spTree>
-      <p:nvGrpSpPr>
-        <p:cNvPr id="1" name=""/>
-        <p:cNvGrpSpPr/>
-        <p:nvPr/>
-      </p:nvGrpSpPr>
-      <p:grpSpPr>
-        <a:xfrm>
-          <a:off x="0" y="0"/>
-          <a:ext cx="0" cy="0"/>
-          <a:chOff x="0" y="0"/>
-          <a:chExt cx="0" cy="0"/>
-        </a:xfrm>
-      </p:grpSpPr>
-      <p:sp>
-        <p:nvSpPr>
-          <p:cNvPr id="2" name="标题 1"/>
-          <p:cNvSpPr>
-            <a:spLocks noGrp="1"/>
-          </p:cNvSpPr>
-          <p:nvPr>
-            <p:ph type="title"/>
-          </p:nvPr>
-        </p:nvSpPr>
-        <p:spPr/>
-        <p:txBody>
-          <a:bodyPr>
-            <a:normAutofit/>
-          </a:bodyPr>
-          <a:lstStyle/>
-          <a:p>
-            <a:pPr algn="l"/>
-            <a:r>
-              <a:rPr lang="zh-CN" altLang="en-US" dirty="0" smtClean="0"/>
               <a:t>工作进度安排</a:t>
             </a:r>
             <a:endParaRPr lang="zh-CN" altLang="en-US" dirty="0"/>
@@ -7011,7 +6565,7 @@
 </p:sld>
 </file>
 
-<file path=ppt/slides/slide12.xml><?xml version="1.0" encoding="utf-8"?>
+<file path=ppt/slides/slide11.xml><?xml version="1.0" encoding="utf-8"?>
 <p:sld xmlns:a="http://schemas.openxmlformats.org/drawingml/2006/main" xmlns:r="http://schemas.openxmlformats.org/officeDocument/2006/relationships" xmlns:p="http://schemas.openxmlformats.org/presentationml/2006/main">
   <p:cSld>
     <p:spTree>
@@ -7888,7 +7442,6 @@
               <a:rPr lang="zh-CN" altLang="en-US" dirty="0"/>
               <a:t>年中国汽车租赁企业营收规模</a:t>
             </a:r>
-            <a:endParaRPr lang="zh-CN" altLang="en-US" dirty="0"/>
           </a:p>
         </p:txBody>
       </p:sp>
@@ -8935,10 +8488,15 @@
             <p:ph idx="1"/>
           </p:nvPr>
         </p:nvSpPr>
-        <p:spPr/>
+        <p:spPr>
+          <a:xfrm>
+            <a:off x="457200" y="1600200"/>
+            <a:ext cx="8867328" cy="4686320"/>
+          </a:xfrm>
+        </p:spPr>
         <p:txBody>
           <a:bodyPr>
-            <a:normAutofit lnSpcReduction="10000"/>
+            <a:normAutofit/>
           </a:bodyPr>
           <a:lstStyle/>
           <a:p>
@@ -8947,70 +8505,184 @@
                 <a:latin typeface="宋体" panose="02010600030101010101" pitchFamily="2" charset="-122"/>
                 <a:ea typeface="宋体" panose="02010600030101010101" pitchFamily="2" charset="-122"/>
               </a:rPr>
-              <a:t>前台能提供客户用户注册、用户信息修改，车辆浏览、公告浏览、购物车管理、在线留言功能。后台能提供企业客户管理、车辆管理、订单管理、留言管理、员工管理、租车管理、统计报表功能。</a:t>
-            </a:r>
-          </a:p>
-          <a:p>
+              <a:t>租车</a:t>
+            </a:r>
+            <a:r>
+              <a:rPr lang="zh-CN" altLang="en-US" sz="2400" dirty="0" smtClean="0">
+                <a:latin typeface="宋体" panose="02010600030101010101" pitchFamily="2" charset="-122"/>
+                <a:ea typeface="宋体" panose="02010600030101010101" pitchFamily="2" charset="-122"/>
+              </a:rPr>
+              <a:t>；</a:t>
+            </a:r>
+            <a:endParaRPr lang="en-US" altLang="zh-CN" sz="2400" dirty="0" smtClean="0">
+              <a:latin typeface="宋体" panose="02010600030101010101" pitchFamily="2" charset="-122"/>
+              <a:ea typeface="宋体" panose="02010600030101010101" pitchFamily="2" charset="-122"/>
+            </a:endParaRPr>
+          </a:p>
+          <a:p>
+            <a:r>
+              <a:rPr lang="zh-CN" altLang="en-US" sz="2400" dirty="0" smtClean="0">
+                <a:latin typeface="宋体" panose="02010600030101010101" pitchFamily="2" charset="-122"/>
+                <a:ea typeface="宋体" panose="02010600030101010101" pitchFamily="2" charset="-122"/>
+              </a:rPr>
+              <a:t>还</a:t>
+            </a:r>
             <a:r>
               <a:rPr lang="zh-CN" altLang="en-US" sz="2400" dirty="0">
                 <a:latin typeface="宋体" panose="02010600030101010101" pitchFamily="2" charset="-122"/>
                 <a:ea typeface="宋体" panose="02010600030101010101" pitchFamily="2" charset="-122"/>
               </a:rPr>
-              <a:t>后台部分详细介绍：</a:t>
-            </a:r>
-          </a:p>
-          <a:p>
+              <a:t>车</a:t>
+            </a:r>
+            <a:r>
+              <a:rPr lang="zh-CN" altLang="en-US" sz="2400" dirty="0" smtClean="0">
+                <a:latin typeface="宋体" panose="02010600030101010101" pitchFamily="2" charset="-122"/>
+                <a:ea typeface="宋体" panose="02010600030101010101" pitchFamily="2" charset="-122"/>
+              </a:rPr>
+              <a:t>；</a:t>
+            </a:r>
+            <a:endParaRPr lang="en-US" altLang="zh-CN" sz="2400" dirty="0" smtClean="0">
+              <a:latin typeface="宋体" panose="02010600030101010101" pitchFamily="2" charset="-122"/>
+              <a:ea typeface="宋体" panose="02010600030101010101" pitchFamily="2" charset="-122"/>
+            </a:endParaRPr>
+          </a:p>
+          <a:p>
+            <a:r>
+              <a:rPr lang="zh-CN" altLang="en-US" sz="2400" dirty="0" smtClean="0">
+                <a:latin typeface="宋体" panose="02010600030101010101" pitchFamily="2" charset="-122"/>
+                <a:ea typeface="宋体" panose="02010600030101010101" pitchFamily="2" charset="-122"/>
+              </a:rPr>
+              <a:t>员工</a:t>
+            </a:r>
             <a:r>
               <a:rPr lang="zh-CN" altLang="en-US" sz="2400" dirty="0">
                 <a:latin typeface="宋体" panose="02010600030101010101" pitchFamily="2" charset="-122"/>
                 <a:ea typeface="宋体" panose="02010600030101010101" pitchFamily="2" charset="-122"/>
               </a:rPr>
-              <a:t>客户管理模块：提供个人客户登记、企业客户登记、会员管理、黑名单管理功能。车辆管理模块：提供车辆供货商管理 、车型管理 、车辆新增，删除功能。员工管理</a:t>
-            </a:r>
-            <a:r>
-              <a:rPr lang="en-US" altLang="zh-CN" sz="2400" dirty="0">
-                <a:latin typeface="宋体" panose="02010600030101010101" pitchFamily="2" charset="-122"/>
-                <a:ea typeface="宋体" panose="02010600030101010101" pitchFamily="2" charset="-122"/>
-              </a:rPr>
-              <a:t>:</a:t>
+              <a:t>信息管理：员工参数设置；员工注册；员工信息操作</a:t>
+            </a:r>
+            <a:r>
+              <a:rPr lang="zh-CN" altLang="en-US" sz="2400" dirty="0" smtClean="0">
+                <a:latin typeface="宋体" panose="02010600030101010101" pitchFamily="2" charset="-122"/>
+                <a:ea typeface="宋体" panose="02010600030101010101" pitchFamily="2" charset="-122"/>
+              </a:rPr>
+              <a:t>；员工</a:t>
             </a:r>
             <a:r>
               <a:rPr lang="zh-CN" altLang="en-US" sz="2400" dirty="0">
                 <a:latin typeface="宋体" panose="02010600030101010101" pitchFamily="2" charset="-122"/>
                 <a:ea typeface="宋体" panose="02010600030101010101" pitchFamily="2" charset="-122"/>
               </a:rPr>
-              <a:t>提供员工资料管理、员工业绩考核管理、司机管理。订单管理：提供网络订单、订单确认、订单取消管理。租车管理：分为短租（自驾</a:t>
-            </a:r>
-            <a:r>
-              <a:rPr lang="en-US" altLang="zh-CN" sz="2400" dirty="0">
-                <a:latin typeface="宋体" panose="02010600030101010101" pitchFamily="2" charset="-122"/>
-                <a:ea typeface="宋体" panose="02010600030101010101" pitchFamily="2" charset="-122"/>
-              </a:rPr>
-              <a:t>/</a:t>
+              <a:t>类别管理；员工业绩考核管理；功能</a:t>
+            </a:r>
+            <a:r>
+              <a:rPr lang="zh-CN" altLang="en-US" sz="2400" dirty="0" smtClean="0">
+                <a:latin typeface="宋体" panose="02010600030101010101" pitchFamily="2" charset="-122"/>
+                <a:ea typeface="宋体" panose="02010600030101010101" pitchFamily="2" charset="-122"/>
+              </a:rPr>
+              <a:t>。</a:t>
+            </a:r>
+            <a:endParaRPr lang="en-US" altLang="zh-CN" sz="2400" dirty="0" smtClean="0">
+              <a:latin typeface="宋体" panose="02010600030101010101" pitchFamily="2" charset="-122"/>
+              <a:ea typeface="宋体" panose="02010600030101010101" pitchFamily="2" charset="-122"/>
+            </a:endParaRPr>
+          </a:p>
+          <a:p>
+            <a:r>
+              <a:rPr lang="zh-CN" altLang="en-US" sz="2400" dirty="0" smtClean="0">
+                <a:latin typeface="宋体" panose="02010600030101010101" pitchFamily="2" charset="-122"/>
+                <a:ea typeface="宋体" panose="02010600030101010101" pitchFamily="2" charset="-122"/>
+              </a:rPr>
+              <a:t>客户</a:t>
             </a:r>
             <a:r>
               <a:rPr lang="zh-CN" altLang="en-US" sz="2400" dirty="0">
                 <a:latin typeface="宋体" panose="02010600030101010101" pitchFamily="2" charset="-122"/>
                 <a:ea typeface="宋体" panose="02010600030101010101" pitchFamily="2" charset="-122"/>
               </a:rPr>
-              <a:t>带驾）模式、长租（自驾</a:t>
-            </a:r>
-            <a:r>
-              <a:rPr lang="en-US" altLang="zh-CN" sz="2400" dirty="0">
-                <a:latin typeface="宋体" panose="02010600030101010101" pitchFamily="2" charset="-122"/>
-                <a:ea typeface="宋体" panose="02010600030101010101" pitchFamily="2" charset="-122"/>
-              </a:rPr>
-              <a:t>/</a:t>
+              <a:t>信息管理：客户参数设置；客户注册；客户信息操作；客户黑名单</a:t>
+            </a:r>
+            <a:r>
+              <a:rPr lang="zh-CN" altLang="en-US" sz="2400" dirty="0" smtClean="0">
+                <a:latin typeface="宋体" panose="02010600030101010101" pitchFamily="2" charset="-122"/>
+                <a:ea typeface="宋体" panose="02010600030101010101" pitchFamily="2" charset="-122"/>
+              </a:rPr>
+              <a:t>管理功能。</a:t>
+            </a:r>
+            <a:endParaRPr lang="en-US" altLang="zh-CN" sz="2400" dirty="0" smtClean="0">
+              <a:latin typeface="宋体" panose="02010600030101010101" pitchFamily="2" charset="-122"/>
+              <a:ea typeface="宋体" panose="02010600030101010101" pitchFamily="2" charset="-122"/>
+            </a:endParaRPr>
+          </a:p>
+          <a:p>
+            <a:r>
+              <a:rPr lang="zh-CN" altLang="en-US" sz="2400" dirty="0" smtClean="0">
+                <a:latin typeface="宋体" panose="02010600030101010101" pitchFamily="2" charset="-122"/>
+                <a:ea typeface="宋体" panose="02010600030101010101" pitchFamily="2" charset="-122"/>
+              </a:rPr>
+              <a:t>车辆</a:t>
             </a:r>
             <a:r>
               <a:rPr lang="zh-CN" altLang="en-US" sz="2400" dirty="0">
                 <a:latin typeface="宋体" panose="02010600030101010101" pitchFamily="2" charset="-122"/>
                 <a:ea typeface="宋体" panose="02010600030101010101" pitchFamily="2" charset="-122"/>
               </a:rPr>
-              <a:t>带驾）模式。统计报表：可以为车辆提供预定统计、收入统计报表、车辆维修统计表。</a:t>
-            </a:r>
-          </a:p>
-          <a:p>
+              <a:t>信息管理：车辆参数设置；汽车获取；车辆信息操作；车辆类型管理</a:t>
+            </a:r>
+            <a:r>
+              <a:rPr lang="zh-CN" altLang="en-US" sz="2400" dirty="0" smtClean="0">
+                <a:latin typeface="宋体" panose="02010600030101010101" pitchFamily="2" charset="-122"/>
+                <a:ea typeface="宋体" panose="02010600030101010101" pitchFamily="2" charset="-122"/>
+              </a:rPr>
+              <a:t>。</a:t>
+            </a:r>
+            <a:endParaRPr lang="en-US" altLang="zh-CN" sz="2400" dirty="0" smtClean="0">
+              <a:latin typeface="宋体" panose="02010600030101010101" pitchFamily="2" charset="-122"/>
+              <a:ea typeface="宋体" panose="02010600030101010101" pitchFamily="2" charset="-122"/>
+            </a:endParaRPr>
+          </a:p>
+          <a:p>
+            <a:r>
+              <a:rPr lang="zh-CN" altLang="en-US" sz="2400" dirty="0" smtClean="0">
+                <a:latin typeface="宋体" panose="02010600030101010101" pitchFamily="2" charset="-122"/>
+                <a:ea typeface="宋体" panose="02010600030101010101" pitchFamily="2" charset="-122"/>
+              </a:rPr>
+              <a:t>系统信息</a:t>
+            </a:r>
+            <a:r>
+              <a:rPr lang="zh-CN" altLang="en-US" sz="2400" dirty="0">
+                <a:latin typeface="宋体" panose="02010600030101010101" pitchFamily="2" charset="-122"/>
+                <a:ea typeface="宋体" panose="02010600030101010101" pitchFamily="2" charset="-122"/>
+              </a:rPr>
+              <a:t>管理：系统参数设置；权限管理；角色</a:t>
+            </a:r>
+            <a:r>
+              <a:rPr lang="zh-CN" altLang="en-US" sz="2400" dirty="0" smtClean="0">
+                <a:latin typeface="宋体" panose="02010600030101010101" pitchFamily="2" charset="-122"/>
+                <a:ea typeface="宋体" panose="02010600030101010101" pitchFamily="2" charset="-122"/>
+              </a:rPr>
+              <a:t>管理。</a:t>
+            </a:r>
+            <a:endParaRPr lang="en-US" altLang="zh-CN" sz="2400" dirty="0" smtClean="0">
+              <a:latin typeface="宋体" panose="02010600030101010101" pitchFamily="2" charset="-122"/>
+              <a:ea typeface="宋体" panose="02010600030101010101" pitchFamily="2" charset="-122"/>
+            </a:endParaRPr>
+          </a:p>
+          <a:p>
+            <a:r>
+              <a:rPr lang="zh-CN" altLang="en-US" sz="2400" dirty="0" smtClean="0">
+                <a:latin typeface="宋体" panose="02010600030101010101" pitchFamily="2" charset="-122"/>
+                <a:ea typeface="宋体" panose="02010600030101010101" pitchFamily="2" charset="-122"/>
+              </a:rPr>
+              <a:t>订单</a:t>
+            </a:r>
+            <a:r>
+              <a:rPr lang="zh-CN" altLang="en-US" sz="2400" dirty="0">
+                <a:latin typeface="宋体" panose="02010600030101010101" pitchFamily="2" charset="-122"/>
+                <a:ea typeface="宋体" panose="02010600030101010101" pitchFamily="2" charset="-122"/>
+              </a:rPr>
+              <a:t>管理：能进行下订单；订单确认、订单取消管理。</a:t>
+            </a:r>
             <a:endParaRPr lang="zh-CN" altLang="en-US" sz="2400" dirty="0">
               <a:latin typeface="宋体" panose="02010600030101010101" pitchFamily="2" charset="-122"/>
               <a:ea typeface="宋体" panose="02010600030101010101" pitchFamily="2" charset="-122"/>
@@ -9074,16 +8746,16 @@
           <a:p>
             <a:pPr algn="l"/>
             <a:r>
-              <a:rPr lang="zh-CN" altLang="en-US" dirty="0"/>
-              <a:t>系统结构图</a:t>
-            </a:r>
-            <a:endParaRPr lang="zh-CN" altLang="en-US" dirty="0"/>
-          </a:p>
-        </p:txBody>
-      </p:sp>
-      <p:sp>
-        <p:nvSpPr>
-          <p:cNvPr id="5" name="内容占位符 2"/>
+              <a:rPr lang="zh-CN" altLang="en-US" dirty="0" smtClean="0"/>
+              <a:t>主要参考文献</a:t>
+            </a:r>
+            <a:endParaRPr lang="zh-CN" altLang="en-US" sz="2400" dirty="0"/>
+          </a:p>
+        </p:txBody>
+      </p:sp>
+      <p:sp>
+        <p:nvSpPr>
+          <p:cNvPr id="8" name="内容占位符 2"/>
           <p:cNvSpPr>
             <a:spLocks noGrp="1"/>
           </p:cNvSpPr>
@@ -9099,75 +8771,290 @@
         </p:spPr>
         <p:txBody>
           <a:bodyPr>
-            <a:normAutofit/>
+            <a:normAutofit fontScale="85000" lnSpcReduction="20000"/>
           </a:bodyPr>
           <a:lstStyle/>
           <a:p>
-            <a:endParaRPr lang="en-US" altLang="zh-CN" sz="2400" dirty="0">
-              <a:latin typeface="宋体" panose="02010600030101010101" pitchFamily="2" charset="-122"/>
-              <a:ea typeface="宋体" panose="02010600030101010101" pitchFamily="2" charset="-122"/>
-            </a:endParaRPr>
-          </a:p>
-        </p:txBody>
-      </p:sp>
-      <p:pic>
-        <p:nvPicPr>
-          <p:cNvPr id="5122" name="Picture 2"/>
-          <p:cNvPicPr>
-            <a:picLocks noChangeAspect="1" noChangeArrowheads="1"/>
-          </p:cNvPicPr>
-          <p:nvPr/>
-        </p:nvPicPr>
-        <p:blipFill>
-          <a:blip r:embed="rId3">
-            <a:extLst>
-              <a:ext uri="{28A0092B-C50C-407E-A947-70E740481C1C}">
-                <a14:useLocalDpi xmlns:a14="http://schemas.microsoft.com/office/drawing/2010/main" val="0"/>
-              </a:ext>
-            </a:extLst>
-          </a:blip>
-          <a:srcRect/>
-          <a:stretch>
-            <a:fillRect/>
-          </a:stretch>
-        </p:blipFill>
-        <p:spPr bwMode="auto">
-          <a:xfrm>
-            <a:off x="827584" y="2420888"/>
-            <a:ext cx="7458917" cy="3528392"/>
-          </a:xfrm>
-          <a:prstGeom prst="rect">
-            <a:avLst/>
-          </a:prstGeom>
-          <a:noFill/>
-          <a:ln>
-            <a:noFill/>
-          </a:ln>
-          <a:extLst>
-            <a:ext uri="{909E8E84-426E-40DD-AFC4-6F175D3DCCD1}">
-              <a14:hiddenFill xmlns:a14="http://schemas.microsoft.com/office/drawing/2010/main">
-                <a:solidFill>
-                  <a:schemeClr val="accent1"/>
-                </a:solidFill>
-              </a14:hiddenFill>
-            </a:ext>
-            <a:ext uri="{91240B29-F687-4F45-9708-019B960494DF}">
-              <a14:hiddenLine xmlns:a14="http://schemas.microsoft.com/office/drawing/2010/main" w="9525">
-                <a:solidFill>
-                  <a:schemeClr val="tx1"/>
-                </a:solidFill>
-                <a:miter lim="800000"/>
-                <a:headEnd/>
-                <a:tailEnd/>
-              </a14:hiddenLine>
-            </a:ext>
-          </a:extLst>
-        </p:spPr>
-      </p:pic>
+            <a:pPr marL="0" indent="0">
+              <a:buNone/>
+            </a:pPr>
+            <a:r>
+              <a:rPr lang="en-US" altLang="zh-CN" sz="2000" dirty="0" smtClean="0"/>
+              <a:t> </a:t>
+            </a:r>
+            <a:r>
+              <a:rPr lang="en-US" altLang="zh-CN" sz="2000" dirty="0"/>
+              <a:t>[1] Carroll W J, Grimes R C. Evolutionary Change in Product Management: Experiences in the Car Rental Industry[J]. Interfaces, 1995, 25(5):84-104.</a:t>
+            </a:r>
+          </a:p>
+          <a:p>
+            <a:pPr marL="0" indent="0">
+              <a:buNone/>
+            </a:pPr>
+            <a:r>
+              <a:rPr lang="en-US" altLang="zh-CN" sz="2000" dirty="0"/>
+              <a:t>[2]Luo J N, Yang M H, Yang M C. An Anonymous Car Rental System Based on NFC[C] International Symposium on Biometrics &amp; Security Technologies. 2013.</a:t>
+            </a:r>
+          </a:p>
+          <a:p>
+            <a:pPr marL="0" indent="0">
+              <a:buNone/>
+            </a:pPr>
+            <a:r>
+              <a:rPr lang="en-US" altLang="zh-CN" sz="2000" dirty="0"/>
+              <a:t>[3]George D K , Xia C H . Fleet-sizing and service availability for a vehicle rental system via closed queueing networks[J]. European Journal of Operational Research, 2011, 211(1):198-207.</a:t>
+            </a:r>
+          </a:p>
+          <a:p>
+            <a:pPr marL="0" indent="0">
+              <a:buNone/>
+            </a:pPr>
+            <a:r>
+              <a:rPr lang="en-US" altLang="zh-CN" sz="2000" dirty="0"/>
+              <a:t>[4] You P S , Hsieh Y C . A study on the vehicle size and transfer policy for car rental problems[J]. Transportation Research Part E: Logistics and Transportation Review, 2014, 64:110-121.</a:t>
+            </a:r>
+          </a:p>
+          <a:p>
+            <a:pPr marL="0" indent="0">
+              <a:buNone/>
+            </a:pPr>
+            <a:r>
+              <a:rPr lang="en-US" altLang="zh-CN" sz="2000" dirty="0"/>
+              <a:t>[5]</a:t>
+            </a:r>
+            <a:r>
+              <a:rPr lang="zh-CN" altLang="en-US" sz="2000" dirty="0"/>
+              <a:t>甘秉武</a:t>
+            </a:r>
+            <a:r>
+              <a:rPr lang="en-US" altLang="zh-CN" sz="2000" dirty="0"/>
+              <a:t>.</a:t>
+            </a:r>
+            <a:r>
+              <a:rPr lang="zh-CN" altLang="en-US" sz="2000" dirty="0"/>
+              <a:t>搞活小企业的新路子</a:t>
+            </a:r>
+            <a:r>
+              <a:rPr lang="en-US" altLang="zh-CN" sz="2000" dirty="0"/>
+              <a:t>——</a:t>
+            </a:r>
+            <a:r>
+              <a:rPr lang="zh-CN" altLang="en-US" sz="2000" dirty="0"/>
+              <a:t>沈阳汽车工业公司五户国营小企业实行个人租赁经营情况调查</a:t>
+            </a:r>
+            <a:r>
+              <a:rPr lang="en-US" altLang="zh-CN" sz="2000" dirty="0"/>
+              <a:t>[J].</a:t>
+            </a:r>
+            <a:r>
+              <a:rPr lang="zh-CN" altLang="en-US" sz="2000" dirty="0"/>
+              <a:t>财政研究</a:t>
+            </a:r>
+            <a:r>
+              <a:rPr lang="en-US" altLang="zh-CN" sz="2000" dirty="0"/>
+              <a:t>,1985(06):65-67.</a:t>
+            </a:r>
+          </a:p>
+          <a:p>
+            <a:pPr marL="0" indent="0">
+              <a:buNone/>
+            </a:pPr>
+            <a:r>
+              <a:rPr lang="en-US" altLang="zh-CN" sz="2000" dirty="0"/>
+              <a:t>[6]</a:t>
+            </a:r>
+            <a:r>
+              <a:rPr lang="zh-CN" altLang="en-US" sz="2000" dirty="0"/>
+              <a:t>梁伟卓</a:t>
+            </a:r>
+            <a:r>
+              <a:rPr lang="en-US" altLang="zh-CN" sz="2000" dirty="0"/>
+              <a:t>, </a:t>
+            </a:r>
+            <a:r>
+              <a:rPr lang="zh-CN" altLang="en-US" sz="2000" dirty="0"/>
+              <a:t>鲍鸿</a:t>
+            </a:r>
+            <a:r>
+              <a:rPr lang="en-US" altLang="zh-CN" sz="2000" dirty="0"/>
+              <a:t>. </a:t>
+            </a:r>
+            <a:r>
+              <a:rPr lang="zh-CN" altLang="en-US" sz="2000" dirty="0"/>
+              <a:t>基于</a:t>
+            </a:r>
+            <a:r>
+              <a:rPr lang="en-US" altLang="zh-CN" sz="2000" dirty="0"/>
+              <a:t>B</a:t>
+            </a:r>
+            <a:r>
+              <a:rPr lang="zh-CN" altLang="en-US" sz="2000" dirty="0"/>
+              <a:t>／</a:t>
+            </a:r>
+            <a:r>
+              <a:rPr lang="en-US" altLang="zh-CN" sz="2000" dirty="0"/>
+              <a:t>S</a:t>
+            </a:r>
+            <a:r>
+              <a:rPr lang="zh-CN" altLang="en-US" sz="2000" dirty="0"/>
+              <a:t>结构的汽车租赁管理信息系统</a:t>
+            </a:r>
+            <a:r>
+              <a:rPr lang="en-US" altLang="zh-CN" sz="2000" dirty="0"/>
+              <a:t>[J]. </a:t>
+            </a:r>
+            <a:r>
+              <a:rPr lang="zh-CN" altLang="en-US" sz="2000" dirty="0"/>
+              <a:t>交通与运输</a:t>
+            </a:r>
+            <a:r>
+              <a:rPr lang="en-US" altLang="zh-CN" sz="2000" dirty="0"/>
+              <a:t>(</a:t>
+            </a:r>
+            <a:r>
+              <a:rPr lang="zh-CN" altLang="en-US" sz="2000" dirty="0"/>
+              <a:t>学术版</a:t>
+            </a:r>
+            <a:r>
+              <a:rPr lang="en-US" altLang="zh-CN" sz="2000" dirty="0"/>
+              <a:t>), 2006(1):35-38.</a:t>
+            </a:r>
+          </a:p>
+          <a:p>
+            <a:pPr marL="0" indent="0">
+              <a:buNone/>
+            </a:pPr>
+            <a:r>
+              <a:rPr lang="en-US" altLang="zh-CN" sz="2000" dirty="0"/>
+              <a:t>[7]</a:t>
+            </a:r>
+            <a:r>
+              <a:rPr lang="zh-CN" altLang="en-US" sz="2000" dirty="0"/>
+              <a:t>余俊杰</a:t>
+            </a:r>
+            <a:r>
+              <a:rPr lang="en-US" altLang="zh-CN" sz="2000" dirty="0"/>
+              <a:t>,</a:t>
+            </a:r>
+            <a:r>
+              <a:rPr lang="zh-CN" altLang="en-US" sz="2000" dirty="0"/>
+              <a:t>李华</a:t>
+            </a:r>
+            <a:r>
+              <a:rPr lang="en-US" altLang="zh-CN" sz="2000" dirty="0"/>
+              <a:t>.</a:t>
+            </a:r>
+            <a:r>
+              <a:rPr lang="zh-CN" altLang="en-US" sz="2000" dirty="0"/>
+              <a:t>汽车租赁管理系统的设计与实现</a:t>
+            </a:r>
+            <a:r>
+              <a:rPr lang="en-US" altLang="zh-CN" sz="2000" dirty="0"/>
+              <a:t>[J].</a:t>
+            </a:r>
+            <a:r>
+              <a:rPr lang="zh-CN" altLang="en-US" sz="2000" dirty="0"/>
+              <a:t>科技广场</a:t>
+            </a:r>
+            <a:r>
+              <a:rPr lang="en-US" altLang="zh-CN" sz="2000" dirty="0"/>
+              <a:t>,2012(09):76-78.</a:t>
+            </a:r>
+          </a:p>
+          <a:p>
+            <a:pPr marL="0" indent="0">
+              <a:buNone/>
+            </a:pPr>
+            <a:r>
+              <a:rPr lang="en-US" altLang="zh-CN" sz="2000" dirty="0"/>
+              <a:t>[8]</a:t>
+            </a:r>
+            <a:r>
+              <a:rPr lang="zh-CN" altLang="en-US" sz="2000" dirty="0"/>
+              <a:t>袁忠华</a:t>
+            </a:r>
+            <a:r>
+              <a:rPr lang="en-US" altLang="zh-CN" sz="2000" dirty="0"/>
+              <a:t>. </a:t>
+            </a:r>
+            <a:r>
+              <a:rPr lang="zh-CN" altLang="en-US" sz="2000" dirty="0"/>
+              <a:t>基于</a:t>
+            </a:r>
+            <a:r>
+              <a:rPr lang="en-US" altLang="zh-CN" sz="2000" dirty="0"/>
+              <a:t>Web</a:t>
+            </a:r>
+            <a:r>
+              <a:rPr lang="zh-CN" altLang="en-US" sz="2000" dirty="0"/>
+              <a:t>的汽车租赁管理信息系统的设计与实现</a:t>
+            </a:r>
+            <a:r>
+              <a:rPr lang="en-US" altLang="zh-CN" sz="2000" dirty="0"/>
+              <a:t>[D].</a:t>
+            </a:r>
+            <a:r>
+              <a:rPr lang="zh-CN" altLang="en-US" sz="2000" dirty="0"/>
+              <a:t>电子科技大学</a:t>
+            </a:r>
+            <a:r>
+              <a:rPr lang="en-US" altLang="zh-CN" sz="2000" dirty="0"/>
+              <a:t>,2013.</a:t>
+            </a:r>
+          </a:p>
+          <a:p>
+            <a:pPr marL="0" indent="0">
+              <a:buNone/>
+            </a:pPr>
+            <a:r>
+              <a:rPr lang="en-US" altLang="zh-CN" sz="2000" dirty="0"/>
+              <a:t>[9]</a:t>
+            </a:r>
+            <a:r>
+              <a:rPr lang="zh-CN" altLang="en-US" sz="2000" dirty="0"/>
+              <a:t>林开荣</a:t>
+            </a:r>
+            <a:r>
+              <a:rPr lang="en-US" altLang="zh-CN" sz="2000" dirty="0"/>
+              <a:t>.</a:t>
+            </a:r>
+            <a:r>
+              <a:rPr lang="zh-CN" altLang="en-US" sz="2000" dirty="0"/>
+              <a:t>汽车租赁企业经营分析及管理系统设计</a:t>
+            </a:r>
+            <a:r>
+              <a:rPr lang="en-US" altLang="zh-CN" sz="2000" dirty="0"/>
+              <a:t>[J].</a:t>
+            </a:r>
+            <a:r>
+              <a:rPr lang="zh-CN" altLang="en-US" sz="2000" dirty="0"/>
+              <a:t>山东轻工业学院学报</a:t>
+            </a:r>
+            <a:r>
+              <a:rPr lang="en-US" altLang="zh-CN" sz="2000" dirty="0"/>
+              <a:t>(</a:t>
+            </a:r>
+            <a:r>
+              <a:rPr lang="zh-CN" altLang="en-US" sz="2000" dirty="0"/>
+              <a:t>自然科学版</a:t>
+            </a:r>
+            <a:r>
+              <a:rPr lang="en-US" altLang="zh-CN" sz="2000" dirty="0"/>
+              <a:t>),2008(01):95-98.</a:t>
+            </a:r>
+          </a:p>
+          <a:p>
+            <a:pPr marL="0" indent="0">
+              <a:buNone/>
+            </a:pPr>
+            <a:endParaRPr lang="en-US" altLang="zh-CN" sz="2000" dirty="0"/>
+          </a:p>
+        </p:txBody>
+      </p:sp>
     </p:spTree>
     <p:extLst>
       <p:ext uri="{BB962C8B-B14F-4D97-AF65-F5344CB8AC3E}">
-        <p14:creationId xmlns:p14="http://schemas.microsoft.com/office/powerpoint/2010/main" val="3240372176"/>
+        <p14:creationId xmlns:p14="http://schemas.microsoft.com/office/powerpoint/2010/main" val="1181678100"/>
       </p:ext>
     </p:extLst>
   </p:cSld>
